--- a/rtfbsdb-ppt.pptx
+++ b/rtfbsdb-ppt.pptx
@@ -247,7 +247,7 @@
             <a:fld id="{68796EA6-6F25-4F19-87BA-7ADCC16DAEFF}" type="datetimeFigureOut">
               <a:rPr lang="en-US" smtClean="0"/>
               <a:pPr/>
-              <a:t>10/7/2015</a:t>
+              <a:t>10/7/15</a:t>
             </a:fld>
             <a:endParaRPr lang="en-US" dirty="0"/>
           </a:p>
@@ -414,7 +414,7 @@
             <a:fld id="{C39C172E-A8B5-46F6-B05C-DFA3E2E0F207}" type="datetimeFigureOut">
               <a:rPr lang="en-US" smtClean="0"/>
               <a:pPr/>
-              <a:t>10/7/2015</a:t>
+              <a:t>10/7/15</a:t>
             </a:fld>
             <a:endParaRPr lang="en-US" dirty="0"/>
           </a:p>
@@ -768,6 +768,91 @@
 </p:notes>
 </file>
 
+<file path=ppt/notesSlides/notesSlide10.xml><?xml version="1.0" encoding="utf-8"?>
+<p:notes xmlns:a="http://schemas.openxmlformats.org/drawingml/2006/main" xmlns:r="http://schemas.openxmlformats.org/officeDocument/2006/relationships" xmlns:p="http://schemas.openxmlformats.org/presentationml/2006/main">
+  <p:cSld>
+    <p:spTree>
+      <p:nvGrpSpPr>
+        <p:cNvPr id="1" name=""/>
+        <p:cNvGrpSpPr/>
+        <p:nvPr/>
+      </p:nvGrpSpPr>
+      <p:grpSpPr>
+        <a:xfrm>
+          <a:off x="0" y="0"/>
+          <a:ext cx="0" cy="0"/>
+          <a:chOff x="0" y="0"/>
+          <a:chExt cx="0" cy="0"/>
+        </a:xfrm>
+      </p:grpSpPr>
+      <p:sp>
+        <p:nvSpPr>
+          <p:cNvPr id="2" name="Slide Image Placeholder 1"/>
+          <p:cNvSpPr>
+            <a:spLocks noGrp="1" noRot="1" noChangeAspect="1"/>
+          </p:cNvSpPr>
+          <p:nvPr>
+            <p:ph type="sldImg"/>
+          </p:nvPr>
+        </p:nvSpPr>
+        <p:spPr/>
+      </p:sp>
+      <p:sp>
+        <p:nvSpPr>
+          <p:cNvPr id="3" name="Notes Placeholder 2"/>
+          <p:cNvSpPr>
+            <a:spLocks noGrp="1"/>
+          </p:cNvSpPr>
+          <p:nvPr>
+            <p:ph type="body" idx="1"/>
+          </p:nvPr>
+        </p:nvSpPr>
+        <p:spPr/>
+        <p:txBody>
+          <a:bodyPr/>
+          <a:lstStyle/>
+          <a:p>
+            <a:endParaRPr lang="en-US" dirty="0"/>
+          </a:p>
+        </p:txBody>
+      </p:sp>
+      <p:sp>
+        <p:nvSpPr>
+          <p:cNvPr id="4" name="Slide Number Placeholder 3"/>
+          <p:cNvSpPr>
+            <a:spLocks noGrp="1"/>
+          </p:cNvSpPr>
+          <p:nvPr>
+            <p:ph type="sldNum" sz="quarter" idx="10"/>
+          </p:nvPr>
+        </p:nvSpPr>
+        <p:spPr/>
+        <p:txBody>
+          <a:bodyPr/>
+          <a:lstStyle/>
+          <a:p>
+            <a:fld id="{32674CE4-FBD8-4481-AEFB-CA53E599A745}" type="slidenum">
+              <a:rPr lang="en-US" smtClean="0"/>
+              <a:pPr/>
+              <a:t>15</a:t>
+            </a:fld>
+            <a:endParaRPr lang="en-US" dirty="0"/>
+          </a:p>
+        </p:txBody>
+      </p:sp>
+    </p:spTree>
+    <p:extLst>
+      <p:ext uri="{BB962C8B-B14F-4D97-AF65-F5344CB8AC3E}">
+        <p14:creationId xmlns:p14="http://schemas.microsoft.com/office/powerpoint/2010/main" val="1709335026"/>
+      </p:ext>
+    </p:extLst>
+  </p:cSld>
+  <p:clrMapOvr>
+    <a:masterClrMapping/>
+  </p:clrMapOvr>
+</p:notes>
+</file>
+
 <file path=ppt/notesSlides/notesSlide2.xml><?xml version="1.0" encoding="utf-8"?>
 <p:notes xmlns:a="http://schemas.openxmlformats.org/drawingml/2006/main" xmlns:r="http://schemas.openxmlformats.org/officeDocument/2006/relationships" xmlns:p="http://schemas.openxmlformats.org/presentationml/2006/main">
   <p:cSld>
@@ -812,24 +897,11 @@
           <a:bodyPr/>
           <a:lstStyle/>
           <a:p>
-            <a:pPr marL="171450" indent="-171450">
+            <a:pPr marL="0" indent="0">
               <a:buFont typeface="Arial" panose="020B0604020202020204" pitchFamily="34" charset="0"/>
-              <a:buChar char="•"/>
-            </a:pPr>
-            <a:r>
-              <a:rPr lang="en-US" dirty="0" smtClean="0"/>
-              <a:t>How presentation will benefit audience: Adult learners are more interested in a subject if they know how or why it is important to them.</a:t>
-            </a:r>
-          </a:p>
-          <a:p>
-            <a:pPr marL="171450" indent="-171450">
-              <a:buFont typeface="Arial" panose="020B0604020202020204" pitchFamily="34" charset="0"/>
-              <a:buChar char="•"/>
-            </a:pPr>
-            <a:r>
-              <a:rPr lang="en-US" dirty="0" smtClean="0"/>
-              <a:t>Presenter’s level of expertise in the subject: Briefly state your credentials in this area, or explain why participants should listen to you.</a:t>
-            </a:r>
+              <a:buNone/>
+            </a:pPr>
+            <a:endParaRPr lang="en-US" dirty="0" smtClean="0"/>
           </a:p>
         </p:txBody>
       </p:sp>
@@ -914,56 +986,7 @@
           <a:bodyPr/>
           <a:lstStyle/>
           <a:p>
-            <a:r>
-              <a:rPr lang="en-US" b="1" dirty="0" smtClean="0"/>
-              <a:t>Example objectives</a:t>
-            </a:r>
-          </a:p>
-          <a:p>
-            <a:pPr marL="0" indent="0">
-              <a:buFont typeface="Arial" panose="020B0604020202020204" pitchFamily="34" charset="0"/>
-              <a:buNone/>
-            </a:pPr>
-            <a:r>
-              <a:rPr lang="en-US" dirty="0" smtClean="0"/>
-              <a:t>At the end of this lesson, you will be able to:</a:t>
-            </a:r>
-          </a:p>
-          <a:p>
-            <a:pPr marL="171450" indent="-171450">
-              <a:buFont typeface="Arial" panose="020B0604020202020204" pitchFamily="34" charset="0"/>
-              <a:buChar char="•"/>
-            </a:pPr>
-            <a:r>
-              <a:rPr lang="en-US" dirty="0" smtClean="0"/>
-              <a:t>Save files to the team Web server.</a:t>
-            </a:r>
-          </a:p>
-          <a:p>
-            <a:pPr marL="171450" indent="-171450">
-              <a:buFont typeface="Arial" panose="020B0604020202020204" pitchFamily="34" charset="0"/>
-              <a:buChar char="•"/>
-            </a:pPr>
-            <a:r>
-              <a:rPr lang="en-US" dirty="0" smtClean="0"/>
-              <a:t>Move files to different locations on the team Web server.</a:t>
-            </a:r>
-          </a:p>
-          <a:p>
-            <a:pPr marL="171450" indent="-171450">
-              <a:buFont typeface="Arial" panose="020B0604020202020204" pitchFamily="34" charset="0"/>
-              <a:buChar char="•"/>
-            </a:pPr>
-            <a:r>
-              <a:rPr lang="en-US" dirty="0" smtClean="0"/>
-              <a:t>Share files on the team Web server.</a:t>
-            </a:r>
-          </a:p>
-          <a:p>
             <a:endParaRPr lang="en-US" dirty="0" smtClean="0"/>
-          </a:p>
-          <a:p>
-            <a:endParaRPr lang="en-US" dirty="0"/>
           </a:p>
         </p:txBody>
       </p:sp>
@@ -1052,20 +1075,7 @@
               <a:buFont typeface="Arial" panose="020B0604020202020204" pitchFamily="34" charset="0"/>
               <a:buChar char="•"/>
             </a:pPr>
-            <a:r>
-              <a:rPr lang="en-US" dirty="0" smtClean="0"/>
-              <a:t>How presentation will benefit audience: Adult learners are more interested in a subject if they know how or why it is important to them.</a:t>
-            </a:r>
-          </a:p>
-          <a:p>
-            <a:pPr marL="171450" indent="-171450">
-              <a:buFont typeface="Arial" panose="020B0604020202020204" pitchFamily="34" charset="0"/>
-              <a:buChar char="•"/>
-            </a:pPr>
-            <a:r>
-              <a:rPr lang="en-US" dirty="0" smtClean="0"/>
-              <a:t>Presenter’s level of expertise in the subject: Briefly state your credentials in this area, or explain why participants should listen to you.</a:t>
-            </a:r>
+            <a:endParaRPr lang="en-US" dirty="0" smtClean="0"/>
           </a:p>
         </p:txBody>
       </p:sp>
@@ -1150,52 +1160,6 @@
           <a:bodyPr/>
           <a:lstStyle/>
           <a:p>
-            <a:r>
-              <a:rPr lang="en-US" b="1" dirty="0" smtClean="0"/>
-              <a:t>Example objectives</a:t>
-            </a:r>
-          </a:p>
-          <a:p>
-            <a:pPr marL="0" indent="0">
-              <a:buFont typeface="Arial" panose="020B0604020202020204" pitchFamily="34" charset="0"/>
-              <a:buNone/>
-            </a:pPr>
-            <a:r>
-              <a:rPr lang="en-US" dirty="0" smtClean="0"/>
-              <a:t>At the end of this lesson, you will be able to:</a:t>
-            </a:r>
-          </a:p>
-          <a:p>
-            <a:pPr marL="171450" indent="-171450">
-              <a:buFont typeface="Arial" panose="020B0604020202020204" pitchFamily="34" charset="0"/>
-              <a:buChar char="•"/>
-            </a:pPr>
-            <a:r>
-              <a:rPr lang="en-US" dirty="0" smtClean="0"/>
-              <a:t>Save files to the team Web server.</a:t>
-            </a:r>
-          </a:p>
-          <a:p>
-            <a:pPr marL="171450" indent="-171450">
-              <a:buFont typeface="Arial" panose="020B0604020202020204" pitchFamily="34" charset="0"/>
-              <a:buChar char="•"/>
-            </a:pPr>
-            <a:r>
-              <a:rPr lang="en-US" dirty="0" smtClean="0"/>
-              <a:t>Move files to different locations on the team Web server.</a:t>
-            </a:r>
-          </a:p>
-          <a:p>
-            <a:pPr marL="171450" indent="-171450">
-              <a:buFont typeface="Arial" panose="020B0604020202020204" pitchFamily="34" charset="0"/>
-              <a:buChar char="•"/>
-            </a:pPr>
-            <a:r>
-              <a:rPr lang="en-US" dirty="0" smtClean="0"/>
-              <a:t>Share files on the team Web server.</a:t>
-            </a:r>
-          </a:p>
-          <a:p>
             <a:endParaRPr lang="en-US" dirty="0" smtClean="0"/>
           </a:p>
           <a:p>
@@ -1284,55 +1248,6 @@
           <a:bodyPr/>
           <a:lstStyle/>
           <a:p>
-            <a:r>
-              <a:rPr lang="en-US" b="1" dirty="0" smtClean="0"/>
-              <a:t>Example objectives</a:t>
-            </a:r>
-          </a:p>
-          <a:p>
-            <a:pPr marL="0" indent="0">
-              <a:buFont typeface="Arial" panose="020B0604020202020204" pitchFamily="34" charset="0"/>
-              <a:buNone/>
-            </a:pPr>
-            <a:r>
-              <a:rPr lang="en-US" dirty="0" smtClean="0"/>
-              <a:t>At the end of this lesson, you will be able to:</a:t>
-            </a:r>
-          </a:p>
-          <a:p>
-            <a:pPr marL="171450" indent="-171450">
-              <a:buFont typeface="Arial" panose="020B0604020202020204" pitchFamily="34" charset="0"/>
-              <a:buChar char="•"/>
-            </a:pPr>
-            <a:r>
-              <a:rPr lang="en-US" dirty="0" smtClean="0"/>
-              <a:t>Save files to the team Web server.</a:t>
-            </a:r>
-          </a:p>
-          <a:p>
-            <a:pPr marL="171450" indent="-171450">
-              <a:buFont typeface="Arial" panose="020B0604020202020204" pitchFamily="34" charset="0"/>
-              <a:buChar char="•"/>
-            </a:pPr>
-            <a:r>
-              <a:rPr lang="en-US" dirty="0" smtClean="0"/>
-              <a:t>Move files to different locations on the team Web server.</a:t>
-            </a:r>
-          </a:p>
-          <a:p>
-            <a:pPr marL="171450" indent="-171450">
-              <a:buFont typeface="Arial" panose="020B0604020202020204" pitchFamily="34" charset="0"/>
-              <a:buChar char="•"/>
-            </a:pPr>
-            <a:r>
-              <a:rPr lang="en-US" dirty="0" smtClean="0"/>
-              <a:t>Share files on the team Web server.</a:t>
-            </a:r>
-          </a:p>
-          <a:p>
-            <a:endParaRPr lang="en-US" dirty="0" smtClean="0"/>
-          </a:p>
-          <a:p>
             <a:endParaRPr lang="en-US" dirty="0"/>
           </a:p>
         </p:txBody>
@@ -1418,52 +1333,6 @@
           <a:bodyPr/>
           <a:lstStyle/>
           <a:p>
-            <a:r>
-              <a:rPr lang="en-US" b="1" dirty="0" smtClean="0"/>
-              <a:t>Example objectives</a:t>
-            </a:r>
-          </a:p>
-          <a:p>
-            <a:pPr marL="0" indent="0">
-              <a:buFont typeface="Arial" panose="020B0604020202020204" pitchFamily="34" charset="0"/>
-              <a:buNone/>
-            </a:pPr>
-            <a:r>
-              <a:rPr lang="en-US" dirty="0" smtClean="0"/>
-              <a:t>At the end of this lesson, you will be able to:</a:t>
-            </a:r>
-          </a:p>
-          <a:p>
-            <a:pPr marL="171450" indent="-171450">
-              <a:buFont typeface="Arial" panose="020B0604020202020204" pitchFamily="34" charset="0"/>
-              <a:buChar char="•"/>
-            </a:pPr>
-            <a:r>
-              <a:rPr lang="en-US" dirty="0" smtClean="0"/>
-              <a:t>Save files to the team Web server.</a:t>
-            </a:r>
-          </a:p>
-          <a:p>
-            <a:pPr marL="171450" indent="-171450">
-              <a:buFont typeface="Arial" panose="020B0604020202020204" pitchFamily="34" charset="0"/>
-              <a:buChar char="•"/>
-            </a:pPr>
-            <a:r>
-              <a:rPr lang="en-US" dirty="0" smtClean="0"/>
-              <a:t>Move files to different locations on the team Web server.</a:t>
-            </a:r>
-          </a:p>
-          <a:p>
-            <a:pPr marL="171450" indent="-171450">
-              <a:buFont typeface="Arial" panose="020B0604020202020204" pitchFamily="34" charset="0"/>
-              <a:buChar char="•"/>
-            </a:pPr>
-            <a:r>
-              <a:rPr lang="en-US" dirty="0" smtClean="0"/>
-              <a:t>Share files on the team Web server.</a:t>
-            </a:r>
-          </a:p>
-          <a:p>
             <a:endParaRPr lang="en-US" dirty="0" smtClean="0"/>
           </a:p>
           <a:p>
@@ -1552,52 +1421,6 @@
           <a:bodyPr/>
           <a:lstStyle/>
           <a:p>
-            <a:r>
-              <a:rPr lang="en-US" b="1" dirty="0" smtClean="0"/>
-              <a:t>Example objectives</a:t>
-            </a:r>
-          </a:p>
-          <a:p>
-            <a:pPr marL="0" indent="0">
-              <a:buFont typeface="Arial" panose="020B0604020202020204" pitchFamily="34" charset="0"/>
-              <a:buNone/>
-            </a:pPr>
-            <a:r>
-              <a:rPr lang="en-US" dirty="0" smtClean="0"/>
-              <a:t>At the end of this lesson, you will be able to:</a:t>
-            </a:r>
-          </a:p>
-          <a:p>
-            <a:pPr marL="171450" indent="-171450">
-              <a:buFont typeface="Arial" panose="020B0604020202020204" pitchFamily="34" charset="0"/>
-              <a:buChar char="•"/>
-            </a:pPr>
-            <a:r>
-              <a:rPr lang="en-US" dirty="0" smtClean="0"/>
-              <a:t>Save files to the team Web server.</a:t>
-            </a:r>
-          </a:p>
-          <a:p>
-            <a:pPr marL="171450" indent="-171450">
-              <a:buFont typeface="Arial" panose="020B0604020202020204" pitchFamily="34" charset="0"/>
-              <a:buChar char="•"/>
-            </a:pPr>
-            <a:r>
-              <a:rPr lang="en-US" dirty="0" smtClean="0"/>
-              <a:t>Move files to different locations on the team Web server.</a:t>
-            </a:r>
-          </a:p>
-          <a:p>
-            <a:pPr marL="171450" indent="-171450">
-              <a:buFont typeface="Arial" panose="020B0604020202020204" pitchFamily="34" charset="0"/>
-              <a:buChar char="•"/>
-            </a:pPr>
-            <a:r>
-              <a:rPr lang="en-US" dirty="0" smtClean="0"/>
-              <a:t>Share files on the team Web server.</a:t>
-            </a:r>
-          </a:p>
-          <a:p>
             <a:endParaRPr lang="en-US" dirty="0" smtClean="0"/>
           </a:p>
           <a:p>
@@ -1633,6 +1456,91 @@
     <p:extLst>
       <p:ext uri="{BB962C8B-B14F-4D97-AF65-F5344CB8AC3E}">
         <p14:creationId xmlns:p14="http://schemas.microsoft.com/office/powerpoint/2010/main" val="1290809032"/>
+      </p:ext>
+    </p:extLst>
+  </p:cSld>
+  <p:clrMapOvr>
+    <a:masterClrMapping/>
+  </p:clrMapOvr>
+</p:notes>
+</file>
+
+<file path=ppt/notesSlides/notesSlide9.xml><?xml version="1.0" encoding="utf-8"?>
+<p:notes xmlns:a="http://schemas.openxmlformats.org/drawingml/2006/main" xmlns:r="http://schemas.openxmlformats.org/officeDocument/2006/relationships" xmlns:p="http://schemas.openxmlformats.org/presentationml/2006/main">
+  <p:cSld>
+    <p:spTree>
+      <p:nvGrpSpPr>
+        <p:cNvPr id="1" name=""/>
+        <p:cNvGrpSpPr/>
+        <p:nvPr/>
+      </p:nvGrpSpPr>
+      <p:grpSpPr>
+        <a:xfrm>
+          <a:off x="0" y="0"/>
+          <a:ext cx="0" cy="0"/>
+          <a:chOff x="0" y="0"/>
+          <a:chExt cx="0" cy="0"/>
+        </a:xfrm>
+      </p:grpSpPr>
+      <p:sp>
+        <p:nvSpPr>
+          <p:cNvPr id="2" name="Slide Image Placeholder 1"/>
+          <p:cNvSpPr>
+            <a:spLocks noGrp="1" noRot="1" noChangeAspect="1"/>
+          </p:cNvSpPr>
+          <p:nvPr>
+            <p:ph type="sldImg"/>
+          </p:nvPr>
+        </p:nvSpPr>
+        <p:spPr/>
+      </p:sp>
+      <p:sp>
+        <p:nvSpPr>
+          <p:cNvPr id="3" name="Notes Placeholder 2"/>
+          <p:cNvSpPr>
+            <a:spLocks noGrp="1"/>
+          </p:cNvSpPr>
+          <p:nvPr>
+            <p:ph type="body" idx="1"/>
+          </p:nvPr>
+        </p:nvSpPr>
+        <p:spPr/>
+        <p:txBody>
+          <a:bodyPr/>
+          <a:lstStyle/>
+          <a:p>
+            <a:endParaRPr lang="en-US" dirty="0"/>
+          </a:p>
+        </p:txBody>
+      </p:sp>
+      <p:sp>
+        <p:nvSpPr>
+          <p:cNvPr id="4" name="Slide Number Placeholder 3"/>
+          <p:cNvSpPr>
+            <a:spLocks noGrp="1"/>
+          </p:cNvSpPr>
+          <p:nvPr>
+            <p:ph type="sldNum" sz="quarter" idx="10"/>
+          </p:nvPr>
+        </p:nvSpPr>
+        <p:spPr/>
+        <p:txBody>
+          <a:bodyPr/>
+          <a:lstStyle/>
+          <a:p>
+            <a:fld id="{32674CE4-FBD8-4481-AEFB-CA53E599A745}" type="slidenum">
+              <a:rPr lang="en-US" smtClean="0"/>
+              <a:pPr/>
+              <a:t>14</a:t>
+            </a:fld>
+            <a:endParaRPr lang="en-US" dirty="0"/>
+          </a:p>
+        </p:txBody>
+      </p:sp>
+    </p:spTree>
+    <p:extLst>
+      <p:ext uri="{BB962C8B-B14F-4D97-AF65-F5344CB8AC3E}">
+        <p14:creationId xmlns:p14="http://schemas.microsoft.com/office/powerpoint/2010/main" val="1338302363"/>
       </p:ext>
     </p:extLst>
   </p:cSld>
@@ -2204,7 +2112,7 @@
             <a:fld id="{4E708F12-96AD-4ED4-8132-A78F5E42C1F5}" type="datetime1">
               <a:rPr lang="en-US" smtClean="0"/>
               <a:pPr/>
-              <a:t>10/7/2015</a:t>
+              <a:t>10/7/15</a:t>
             </a:fld>
             <a:endParaRPr lang="en-US" dirty="0"/>
           </a:p>
@@ -2428,7 +2336,7 @@
             <a:fld id="{7B7FA170-8299-44AD-AEEF-FC686C3D7804}" type="datetime1">
               <a:rPr lang="en-US" smtClean="0"/>
               <a:pPr/>
-              <a:t>10/7/2015</a:t>
+              <a:t>10/7/15</a:t>
             </a:fld>
             <a:endParaRPr lang="en-US" dirty="0"/>
           </a:p>
@@ -2612,7 +2520,7 @@
             <a:fld id="{2231763A-68EC-4ECD-9620-D9FE9CDDD622}" type="datetime1">
               <a:rPr lang="en-US" smtClean="0"/>
               <a:pPr/>
-              <a:t>10/7/2015</a:t>
+              <a:t>10/7/15</a:t>
             </a:fld>
             <a:endParaRPr lang="en-US" dirty="0"/>
           </a:p>
@@ -2806,7 +2714,7 @@
             <a:fld id="{7B98BEDD-6160-49BB-B372-861DE7DE9BA5}" type="datetime1">
               <a:rPr lang="en-US" smtClean="0"/>
               <a:pPr/>
-              <a:t>10/7/2015</a:t>
+              <a:t>10/7/15</a:t>
             </a:fld>
             <a:endParaRPr lang="en-US" dirty="0"/>
           </a:p>
@@ -2990,7 +2898,7 @@
             <a:fld id="{0AAE819F-B7FD-4B29-8F66-9E318144BC2A}" type="datetime1">
               <a:rPr lang="en-US" smtClean="0"/>
               <a:pPr/>
-              <a:t>10/7/2015</a:t>
+              <a:t>10/7/15</a:t>
             </a:fld>
             <a:endParaRPr lang="en-US" dirty="0"/>
           </a:p>
@@ -3224,7 +3132,7 @@
             <a:fld id="{D4CA159C-B6E0-4F10-9F4A-2FA57003B139}" type="datetime1">
               <a:rPr lang="en-US" smtClean="0"/>
               <a:pPr/>
-              <a:t>10/7/2015</a:t>
+              <a:t>10/7/15</a:t>
             </a:fld>
             <a:endParaRPr lang="en-US" dirty="0"/>
           </a:p>
@@ -3518,7 +3426,7 @@
             <a:fld id="{8170CBBB-D1D1-4386-A5E9-07F3477B78F3}" type="datetime1">
               <a:rPr lang="en-US" smtClean="0"/>
               <a:pPr/>
-              <a:t>10/7/2015</a:t>
+              <a:t>10/7/15</a:t>
             </a:fld>
             <a:endParaRPr lang="en-US" dirty="0"/>
           </a:p>
@@ -3948,7 +3856,7 @@
             <a:fld id="{9FA4CAD8-0EA7-4615-B69B-B2F199EF3A93}" type="datetime1">
               <a:rPr lang="en-US" smtClean="0"/>
               <a:pPr/>
-              <a:t>10/7/2015</a:t>
+              <a:t>10/7/15</a:t>
             </a:fld>
             <a:endParaRPr lang="en-US" dirty="0"/>
           </a:p>
@@ -4103,7 +4011,7 @@
             <a:fld id="{B9234BD7-6953-492C-921B-E68B2D7F14C8}" type="datetime1">
               <a:rPr lang="en-US" smtClean="0"/>
               <a:pPr/>
-              <a:t>10/7/2015</a:t>
+              <a:t>10/7/15</a:t>
             </a:fld>
             <a:endParaRPr lang="en-US" dirty="0"/>
           </a:p>
@@ -4212,7 +4120,7 @@
             <a:fld id="{35A17D9B-D4D3-4E23-88DF-2E354FA43196}" type="datetime1">
               <a:rPr lang="en-US" smtClean="0"/>
               <a:pPr/>
-              <a:t>10/7/2015</a:t>
+              <a:t>10/7/15</a:t>
             </a:fld>
             <a:endParaRPr lang="en-US" dirty="0"/>
           </a:p>
@@ -4476,7 +4384,7 @@
             <a:fld id="{541F67C5-D04E-4576-B61C-12ABA14BBD6C}" type="datetime1">
               <a:rPr lang="en-US" smtClean="0"/>
               <a:pPr/>
-              <a:t>10/7/2015</a:t>
+              <a:t>10/7/15</a:t>
             </a:fld>
             <a:endParaRPr lang="en-US" dirty="0"/>
           </a:p>
@@ -5378,7 +5286,7 @@
             <a:fld id="{C20F09E4-6EA4-4BF3-9FC8-FF40373B88E6}" type="datetime1">
               <a:rPr lang="en-US" smtClean="0"/>
               <a:pPr/>
-              <a:t>10/7/2015</a:t>
+              <a:t>10/7/15</a:t>
             </a:fld>
             <a:endParaRPr lang="en-US" dirty="0"/>
           </a:p>
@@ -7146,7 +7054,11 @@
           <a:p>
             <a:r>
               <a:rPr lang="en-US" dirty="0" smtClean="0"/>
-              <a:t>To get a heat-map for publish.</a:t>
+              <a:t>To get a heat-map for </a:t>
+            </a:r>
+            <a:r>
+              <a:rPr lang="en-US" dirty="0" smtClean="0"/>
+              <a:t>publishing.</a:t>
             </a:r>
             <a:endParaRPr lang="en-US" dirty="0"/>
           </a:p>
@@ -8382,7 +8294,7 @@
           </p:nvPr>
         </p:nvPicPr>
         <p:blipFill>
-          <a:blip r:embed="rId2"/>
+          <a:blip r:embed="rId3"/>
           <a:stretch>
             <a:fillRect/>
           </a:stretch>
@@ -8408,7 +8320,7 @@
           </p:nvPr>
         </p:nvPicPr>
         <p:blipFill>
-          <a:blip r:embed="rId3"/>
+          <a:blip r:embed="rId4"/>
           <a:stretch>
             <a:fillRect/>
           </a:stretch>
@@ -8573,11 +8485,15 @@
             </a:r>
             <a:r>
               <a:rPr lang="en-US" sz="1600" dirty="0"/>
-              <a:t> function is </a:t>
+              <a:t> function </a:t>
             </a:r>
             <a:r>
               <a:rPr lang="en-US" sz="1600" dirty="0" smtClean="0"/>
-              <a:t>to locate TF binding sites across a genome</a:t>
+              <a:t>locates </a:t>
+            </a:r>
+            <a:r>
+              <a:rPr lang="en-US" sz="1600" dirty="0" smtClean="0"/>
+              <a:t>TF binding sites across a genome</a:t>
             </a:r>
           </a:p>
           <a:p>
@@ -10057,7 +9973,27 @@
                 <a:latin typeface="Times New Roman" panose="02020603050405020304" pitchFamily="18" charset="0"/>
                 <a:cs typeface="Times New Roman" panose="02020603050405020304" pitchFamily="18" charset="0"/>
               </a:rPr>
-              <a:t>#show a brief information about the </a:t>
+              <a:t>#show </a:t>
+            </a:r>
+            <a:r>
+              <a:rPr lang="en-US" sz="1500" dirty="0" smtClean="0">
+                <a:solidFill>
+                  <a:schemeClr val="tx1"/>
+                </a:solidFill>
+                <a:latin typeface="Times New Roman" panose="02020603050405020304" pitchFamily="18" charset="0"/>
+                <a:cs typeface="Times New Roman" panose="02020603050405020304" pitchFamily="18" charset="0"/>
+              </a:rPr>
+              <a:t>the basic information about t</a:t>
+            </a:r>
+            <a:r>
+              <a:rPr lang="en-US" sz="1500" dirty="0" smtClean="0">
+                <a:solidFill>
+                  <a:schemeClr val="tx1"/>
+                </a:solidFill>
+                <a:latin typeface="Times New Roman" panose="02020603050405020304" pitchFamily="18" charset="0"/>
+                <a:cs typeface="Times New Roman" panose="02020603050405020304" pitchFamily="18" charset="0"/>
+              </a:rPr>
+              <a:t>he </a:t>
             </a:r>
             <a:r>
               <a:rPr lang="en-US" sz="1500" dirty="0" smtClean="0">
@@ -10867,7 +10803,15 @@
             </a:r>
             <a:r>
               <a:rPr lang="en-US" sz="1600" dirty="0"/>
-              <a:t>to identify motifs enriched in a user specified set of genomic coordinates compared to a background set. </a:t>
+              <a:t>to identify motifs enriched in a </a:t>
+            </a:r>
+            <a:r>
+              <a:rPr lang="en-US" sz="1600" dirty="0" smtClean="0"/>
+              <a:t>user-specified </a:t>
+            </a:r>
+            <a:r>
+              <a:rPr lang="en-US" sz="1600" dirty="0"/>
+              <a:t>set of genomic coordinates compared to a background set. </a:t>
             </a:r>
             <a:endParaRPr lang="en-US" sz="1600" dirty="0" smtClean="0"/>
           </a:p>
@@ -10951,7 +10895,15 @@
             </a:pPr>
             <a:r>
               <a:rPr lang="en-US" sz="1600" dirty="0" smtClean="0"/>
-              <a:t>4) GC correction? (</a:t>
+              <a:t>4) GC </a:t>
+            </a:r>
+            <a:r>
+              <a:rPr lang="en-US" sz="1600" dirty="0" smtClean="0"/>
+              <a:t>correction? </a:t>
+            </a:r>
+            <a:r>
+              <a:rPr lang="en-US" sz="1600" dirty="0" smtClean="0"/>
+              <a:t>(</a:t>
             </a:r>
             <a:r>
               <a:rPr lang="en-US" sz="1600" i="1" dirty="0" err="1" smtClean="0"/>
@@ -10971,12 +10923,12 @@
               <a:t>5) Score or </a:t>
             </a:r>
             <a:r>
-              <a:rPr lang="en-US" sz="1600" dirty="0" err="1" smtClean="0"/>
-              <a:t>fdr</a:t>
-            </a:r>
-            <a:r>
               <a:rPr lang="en-US" sz="1600" dirty="0" smtClean="0"/>
-              <a:t> threshold (</a:t>
+              <a:t>FDR </a:t>
+            </a:r>
+            <a:r>
+              <a:rPr lang="en-US" sz="1600" dirty="0" smtClean="0"/>
+              <a:t>threshold (</a:t>
             </a:r>
             <a:r>
               <a:rPr lang="en-US" sz="1600" i="1" dirty="0" smtClean="0"/>
@@ -12406,7 +12358,11 @@
           <a:p>
             <a:r>
               <a:rPr lang="en-US" dirty="0" smtClean="0"/>
-              <a:t>Providing a framework to integrate the Cis-BP database and the statistical model in the </a:t>
+              <a:t>Provides </a:t>
+            </a:r>
+            <a:r>
+              <a:rPr lang="en-US" dirty="0" smtClean="0"/>
+              <a:t>a framework to integrate the Cis-BP database and the statistical model in the </a:t>
             </a:r>
             <a:r>
               <a:rPr lang="en-US" i="1" dirty="0" err="1" smtClean="0"/>
@@ -12420,7 +12376,11 @@
           <a:p>
             <a:r>
               <a:rPr lang="en-US" dirty="0" smtClean="0"/>
-              <a:t>Designing a pipeline to implement the following goals:</a:t>
+              <a:t>Designed </a:t>
+            </a:r>
+            <a:r>
+              <a:rPr lang="en-US" dirty="0" smtClean="0"/>
+              <a:t>a pipeline to implement the following goals:</a:t>
             </a:r>
           </a:p>
           <a:p>
@@ -12442,7 +12402,15 @@
             <a:pPr lvl="1"/>
             <a:r>
               <a:rPr lang="en-US" dirty="0" smtClean="0"/>
-              <a:t>2) Searching the genome loci for motif occurrences.</a:t>
+              <a:t>2) Searching the genome </a:t>
+            </a:r>
+            <a:r>
+              <a:rPr lang="en-US" dirty="0" smtClean="0"/>
+              <a:t>for </a:t>
+            </a:r>
+            <a:r>
+              <a:rPr lang="en-US" dirty="0" smtClean="0"/>
+              <a:t>motif occurrences.</a:t>
             </a:r>
           </a:p>
           <a:p>
@@ -13519,25 +13487,6 @@
           </a:prstGeom>
         </p:spPr>
       </p:pic>
-      <p:sp>
-        <p:nvSpPr>
-          <p:cNvPr id="4" name="Content Placeholder 3"/>
-          <p:cNvSpPr>
-            <a:spLocks noGrp="1"/>
-          </p:cNvSpPr>
-          <p:nvPr>
-            <p:ph sz="half" idx="1"/>
-          </p:nvPr>
-        </p:nvSpPr>
-        <p:spPr/>
-        <p:txBody>
-          <a:bodyPr/>
-          <a:lstStyle/>
-          <a:p>
-            <a:endParaRPr lang="en-US"/>
-          </a:p>
-        </p:txBody>
-      </p:sp>
     </p:spTree>
     <p:extLst>
       <p:ext uri="{BB962C8B-B14F-4D97-AF65-F5344CB8AC3E}">
@@ -14429,7 +14378,17 @@
                   </a:schemeClr>
                 </a:solidFill>
               </a:rPr>
-              <a:t>), is a public online dataset of TFBS.</a:t>
+              <a:t>) </a:t>
+            </a:r>
+            <a:r>
+              <a:rPr lang="en-US" sz="2000" dirty="0" smtClean="0">
+                <a:solidFill>
+                  <a:schemeClr val="accent3">
+                    <a:lumMod val="50000"/>
+                  </a:schemeClr>
+                </a:solidFill>
+              </a:rPr>
+              <a:t>is a public online dataset of TFBS.</a:t>
             </a:r>
           </a:p>
           <a:p>
@@ -15617,8 +15576,19 @@
                 <a:latin typeface="Times New Roman" pitchFamily="18" charset="0"/>
                 <a:cs typeface="Times New Roman" pitchFamily="18" charset="0"/>
               </a:rPr>
-              <a:t> package from source codes</a:t>
-            </a:r>
+              <a:t> package from source </a:t>
+            </a:r>
+            <a:r>
+              <a:rPr lang="en-US" sz="1600" dirty="0" smtClean="0">
+                <a:latin typeface="Times New Roman" pitchFamily="18" charset="0"/>
+                <a:cs typeface="Times New Roman" pitchFamily="18" charset="0"/>
+              </a:rPr>
+              <a:t>code</a:t>
+            </a:r>
+            <a:endParaRPr lang="en-US" sz="1600" dirty="0" smtClean="0">
+              <a:latin typeface="Times New Roman" pitchFamily="18" charset="0"/>
+              <a:cs typeface="Times New Roman" pitchFamily="18" charset="0"/>
+            </a:endParaRPr>
           </a:p>
           <a:p>
             <a:pPr marL="109728" lvl="0">
@@ -17231,11 +17201,11 @@
               <a:t>All </a:t>
             </a:r>
             <a:r>
-              <a:rPr lang="en-US" sz="2000"/>
+              <a:rPr lang="en-US" sz="2000" dirty="0"/>
               <a:t>direct </a:t>
             </a:r>
             <a:r>
-              <a:rPr lang="en-US" sz="2000" smtClean="0"/>
+              <a:rPr lang="en-US" sz="2000" dirty="0" smtClean="0"/>
               <a:t>motifs</a:t>
             </a:r>
             <a:endParaRPr lang="en-US" sz="2000" dirty="0"/>
@@ -17912,7 +17882,11 @@
             </a:r>
             <a:r>
               <a:rPr lang="en-US" sz="1900" dirty="0"/>
-              <a:t> TF_Information.txt: </a:t>
+              <a:t> </a:t>
+            </a:r>
+            <a:r>
+              <a:rPr lang="en-US" sz="1900" dirty="0" err="1" smtClean="0"/>
+              <a:t>TF_Information.txt</a:t>
             </a:r>
             <a:endParaRPr lang="en-US" sz="1900" dirty="0" smtClean="0"/>
           </a:p>
@@ -17929,12 +17903,8 @@
               <a:t> </a:t>
             </a:r>
             <a:r>
-              <a:rPr lang="en-US" sz="1900" dirty="0" smtClean="0"/>
+              <a:rPr lang="en-US" sz="1900" dirty="0" err="1" smtClean="0"/>
               <a:t>TF_Information_all_motif.txt</a:t>
-            </a:r>
-            <a:r>
-              <a:rPr lang="en-US" sz="1900" dirty="0"/>
-              <a:t>: </a:t>
             </a:r>
             <a:endParaRPr lang="en-US" sz="1900" dirty="0" smtClean="0"/>
           </a:p>
@@ -18761,7 +18731,11 @@
             </a:pPr>
             <a:r>
               <a:rPr lang="en-US" sz="3100" dirty="0" smtClean="0"/>
-              <a:t>Advance way:</a:t>
+              <a:t>Advanced </a:t>
+            </a:r>
+            <a:r>
+              <a:rPr lang="en-US" sz="3100" dirty="0" smtClean="0"/>
+              <a:t>way:</a:t>
             </a:r>
           </a:p>
           <a:p>
@@ -18904,12 +18878,8 @@
               <a:buNone/>
             </a:pPr>
             <a:r>
-              <a:rPr lang="en-US" sz="2000" smtClean="0"/>
-              <a:t>Optional </a:t>
-            </a:r>
-            <a:r>
               <a:rPr lang="en-US" sz="2000" dirty="0" smtClean="0"/>
-              <a:t>parameters: </a:t>
+              <a:t>Optional parameters: </a:t>
             </a:r>
           </a:p>
           <a:p>
